--- a/Fpga專題實習pingpong.pptx
+++ b/Fpga專題實習pingpong.pptx
@@ -7,11 +7,12 @@
   <p:sldIdLst>
     <p:sldId id="257" r:id="rId2"/>
     <p:sldId id="258" r:id="rId3"/>
-    <p:sldId id="259" r:id="rId4"/>
-    <p:sldId id="260" r:id="rId5"/>
-    <p:sldId id="261" r:id="rId6"/>
-    <p:sldId id="262" r:id="rId7"/>
-    <p:sldId id="263" r:id="rId8"/>
+    <p:sldId id="264" r:id="rId4"/>
+    <p:sldId id="259" r:id="rId5"/>
+    <p:sldId id="260" r:id="rId6"/>
+    <p:sldId id="261" r:id="rId7"/>
+    <p:sldId id="262" r:id="rId8"/>
+    <p:sldId id="263" r:id="rId9"/>
   </p:sldIdLst>
   <p:sldSz cx="12192000" cy="6858000"/>
   <p:notesSz cx="6858000" cy="9144000"/>
@@ -265,7 +266,7 @@
           <a:p>
             <a:fld id="{EBCD4BE7-C5F7-4475-B56C-251F1E4F6FAC}" type="datetimeFigureOut">
               <a:rPr lang="zh-TW" altLang="en-US" smtClean="0"/>
-              <a:t>2025/1/3</a:t>
+              <a:t>2025/1/8</a:t>
             </a:fld>
             <a:endParaRPr lang="zh-TW" altLang="en-US"/>
           </a:p>
@@ -463,7 +464,7 @@
           <a:p>
             <a:fld id="{EBCD4BE7-C5F7-4475-B56C-251F1E4F6FAC}" type="datetimeFigureOut">
               <a:rPr lang="zh-TW" altLang="en-US" smtClean="0"/>
-              <a:t>2025/1/3</a:t>
+              <a:t>2025/1/8</a:t>
             </a:fld>
             <a:endParaRPr lang="zh-TW" altLang="en-US"/>
           </a:p>
@@ -671,7 +672,7 @@
           <a:p>
             <a:fld id="{EBCD4BE7-C5F7-4475-B56C-251F1E4F6FAC}" type="datetimeFigureOut">
               <a:rPr lang="zh-TW" altLang="en-US" smtClean="0"/>
-              <a:t>2025/1/3</a:t>
+              <a:t>2025/1/8</a:t>
             </a:fld>
             <a:endParaRPr lang="zh-TW" altLang="en-US"/>
           </a:p>
@@ -869,7 +870,7 @@
           <a:p>
             <a:fld id="{EBCD4BE7-C5F7-4475-B56C-251F1E4F6FAC}" type="datetimeFigureOut">
               <a:rPr lang="zh-TW" altLang="en-US" smtClean="0"/>
-              <a:t>2025/1/3</a:t>
+              <a:t>2025/1/8</a:t>
             </a:fld>
             <a:endParaRPr lang="zh-TW" altLang="en-US"/>
           </a:p>
@@ -1144,7 +1145,7 @@
           <a:p>
             <a:fld id="{EBCD4BE7-C5F7-4475-B56C-251F1E4F6FAC}" type="datetimeFigureOut">
               <a:rPr lang="zh-TW" altLang="en-US" smtClean="0"/>
-              <a:t>2025/1/3</a:t>
+              <a:t>2025/1/8</a:t>
             </a:fld>
             <a:endParaRPr lang="zh-TW" altLang="en-US"/>
           </a:p>
@@ -1409,7 +1410,7 @@
           <a:p>
             <a:fld id="{EBCD4BE7-C5F7-4475-B56C-251F1E4F6FAC}" type="datetimeFigureOut">
               <a:rPr lang="zh-TW" altLang="en-US" smtClean="0"/>
-              <a:t>2025/1/3</a:t>
+              <a:t>2025/1/8</a:t>
             </a:fld>
             <a:endParaRPr lang="zh-TW" altLang="en-US"/>
           </a:p>
@@ -1821,7 +1822,7 @@
           <a:p>
             <a:fld id="{EBCD4BE7-C5F7-4475-B56C-251F1E4F6FAC}" type="datetimeFigureOut">
               <a:rPr lang="zh-TW" altLang="en-US" smtClean="0"/>
-              <a:t>2025/1/3</a:t>
+              <a:t>2025/1/8</a:t>
             </a:fld>
             <a:endParaRPr lang="zh-TW" altLang="en-US"/>
           </a:p>
@@ -1962,7 +1963,7 @@
           <a:p>
             <a:fld id="{EBCD4BE7-C5F7-4475-B56C-251F1E4F6FAC}" type="datetimeFigureOut">
               <a:rPr lang="zh-TW" altLang="en-US" smtClean="0"/>
-              <a:t>2025/1/3</a:t>
+              <a:t>2025/1/8</a:t>
             </a:fld>
             <a:endParaRPr lang="zh-TW" altLang="en-US"/>
           </a:p>
@@ -2075,7 +2076,7 @@
           <a:p>
             <a:fld id="{EBCD4BE7-C5F7-4475-B56C-251F1E4F6FAC}" type="datetimeFigureOut">
               <a:rPr lang="zh-TW" altLang="en-US" smtClean="0"/>
-              <a:t>2025/1/3</a:t>
+              <a:t>2025/1/8</a:t>
             </a:fld>
             <a:endParaRPr lang="zh-TW" altLang="en-US"/>
           </a:p>
@@ -2386,7 +2387,7 @@
           <a:p>
             <a:fld id="{EBCD4BE7-C5F7-4475-B56C-251F1E4F6FAC}" type="datetimeFigureOut">
               <a:rPr lang="zh-TW" altLang="en-US" smtClean="0"/>
-              <a:t>2025/1/3</a:t>
+              <a:t>2025/1/8</a:t>
             </a:fld>
             <a:endParaRPr lang="zh-TW" altLang="en-US"/>
           </a:p>
@@ -2674,7 +2675,7 @@
           <a:p>
             <a:fld id="{EBCD4BE7-C5F7-4475-B56C-251F1E4F6FAC}" type="datetimeFigureOut">
               <a:rPr lang="zh-TW" altLang="en-US" smtClean="0"/>
-              <a:t>2025/1/3</a:t>
+              <a:t>2025/1/8</a:t>
             </a:fld>
             <a:endParaRPr lang="zh-TW" altLang="en-US"/>
           </a:p>
@@ -2915,7 +2916,7 @@
           <a:p>
             <a:fld id="{EBCD4BE7-C5F7-4475-B56C-251F1E4F6FAC}" type="datetimeFigureOut">
               <a:rPr lang="zh-TW" altLang="en-US" smtClean="0"/>
-              <a:t>2025/1/3</a:t>
+              <a:t>2025/1/8</a:t>
             </a:fld>
             <a:endParaRPr lang="zh-TW" altLang="en-US"/>
           </a:p>
@@ -4227,42 +4228,12 @@
           <a:chExt cx="0" cy="0"/>
         </a:xfrm>
       </p:grpSpPr>
-      <p:pic>
-        <p:nvPicPr>
-          <p:cNvPr id="5" name="圖片 4">
-            <a:extLst>
-              <a:ext uri="{FF2B5EF4-FFF2-40B4-BE49-F238E27FC236}">
-                <a16:creationId xmlns:a16="http://schemas.microsoft.com/office/drawing/2014/main" id="{F7FB12FC-DBAE-7CE9-9E63-AA632789FB9E}"/>
-              </a:ext>
-            </a:extLst>
-          </p:cNvPr>
-          <p:cNvPicPr>
-            <a:picLocks noChangeAspect="1"/>
-          </p:cNvPicPr>
-          <p:nvPr/>
-        </p:nvPicPr>
-        <p:blipFill>
-          <a:blip r:embed="rId2"/>
-          <a:stretch>
-            <a:fillRect/>
-          </a:stretch>
-        </p:blipFill>
-        <p:spPr>
-          <a:xfrm>
-            <a:off x="144867" y="258928"/>
-            <a:ext cx="7724515" cy="5896798"/>
-          </a:xfrm>
-          <a:prstGeom prst="rect">
-            <a:avLst/>
-          </a:prstGeom>
-        </p:spPr>
-      </p:pic>
-      <p:sp>
-        <p:nvSpPr>
-          <p:cNvPr id="7" name="文字方塊 6">
-            <a:extLst>
-              <a:ext uri="{FF2B5EF4-FFF2-40B4-BE49-F238E27FC236}">
-                <a16:creationId xmlns:a16="http://schemas.microsoft.com/office/drawing/2014/main" id="{5B6D5BF1-B381-34D3-8131-14E2ADBDA7EB}"/>
+      <p:sp>
+        <p:nvSpPr>
+          <p:cNvPr id="5" name="文字方塊 4">
+            <a:extLst>
+              <a:ext uri="{FF2B5EF4-FFF2-40B4-BE49-F238E27FC236}">
+                <a16:creationId xmlns:a16="http://schemas.microsoft.com/office/drawing/2014/main" id="{2602CA4E-4D59-482A-9BD5-E1F4FC1218C0}"/>
               </a:ext>
             </a:extLst>
           </p:cNvPr>
@@ -4271,8 +4242,8 @@
         </p:nvSpPr>
         <p:spPr>
           <a:xfrm>
-            <a:off x="7244693" y="557419"/>
-            <a:ext cx="4802440" cy="3416320"/>
+            <a:off x="823865" y="506994"/>
+            <a:ext cx="1415772" cy="584775"/>
           </a:xfrm>
           <a:prstGeom prst="rect">
             <a:avLst/>
@@ -4280,131 +4251,902 @@
           <a:noFill/>
         </p:spPr>
         <p:txBody>
-          <a:bodyPr wrap="square" rtlCol="0">
+          <a:bodyPr wrap="none" rtlCol="0">
             <a:spAutoFit/>
           </a:bodyPr>
           <a:lstStyle/>
           <a:p>
             <a:r>
+              <a:rPr lang="zh-TW" altLang="en-US" sz="3200" dirty="0"/>
+              <a:t>架構圖</a:t>
+            </a:r>
+          </a:p>
+        </p:txBody>
+      </p:sp>
+      <p:sp>
+        <p:nvSpPr>
+          <p:cNvPr id="9" name="矩形 8">
+            <a:extLst>
+              <a:ext uri="{FF2B5EF4-FFF2-40B4-BE49-F238E27FC236}">
+                <a16:creationId xmlns:a16="http://schemas.microsoft.com/office/drawing/2014/main" id="{F89BCC67-0EC4-418C-A743-B81DFDD8B531}"/>
+              </a:ext>
+            </a:extLst>
+          </p:cNvPr>
+          <p:cNvSpPr/>
+          <p:nvPr/>
+        </p:nvSpPr>
+        <p:spPr>
+          <a:xfrm>
+            <a:off x="4772347" y="932818"/>
+            <a:ext cx="1874068" cy="1100656"/>
+          </a:xfrm>
+          <a:prstGeom prst="rect">
+            <a:avLst/>
+          </a:prstGeom>
+        </p:spPr>
+        <p:style>
+          <a:lnRef idx="2">
+            <a:schemeClr val="accent1">
+              <a:shade val="15000"/>
+            </a:schemeClr>
+          </a:lnRef>
+          <a:fillRef idx="1">
+            <a:schemeClr val="accent1"/>
+          </a:fillRef>
+          <a:effectRef idx="0">
+            <a:schemeClr val="accent1"/>
+          </a:effectRef>
+          <a:fontRef idx="minor">
+            <a:schemeClr val="lt1"/>
+          </a:fontRef>
+        </p:style>
+        <p:txBody>
+          <a:bodyPr rtlCol="0" anchor="ctr"/>
+          <a:lstStyle/>
+          <a:p>
+            <a:pPr algn="ctr"/>
+            <a:r>
               <a:rPr lang="zh-TW" altLang="en-US" dirty="0"/>
-              <a:t>狀態機 </a:t>
-            </a:r>
-            <a:r>
-              <a:rPr lang="en-US" altLang="zh-TW" dirty="0"/>
-              <a:t>(</a:t>
-            </a:r>
-            <a:r>
-              <a:rPr lang="en-US" altLang="zh-TW" dirty="0" err="1"/>
-              <a:t>ledo_move_state</a:t>
-            </a:r>
-            <a:r>
-              <a:rPr lang="en-US" altLang="zh-TW" dirty="0"/>
-              <a:t>):</a:t>
-            </a:r>
-          </a:p>
-          <a:p>
+              <a:t>分數計算</a:t>
+            </a:r>
+          </a:p>
+        </p:txBody>
+      </p:sp>
+      <p:sp>
+        <p:nvSpPr>
+          <p:cNvPr id="10" name="矩形 9">
+            <a:extLst>
+              <a:ext uri="{FF2B5EF4-FFF2-40B4-BE49-F238E27FC236}">
+                <a16:creationId xmlns:a16="http://schemas.microsoft.com/office/drawing/2014/main" id="{E8EF46ED-E725-4B23-A922-F9B7CE73785E}"/>
+              </a:ext>
+            </a:extLst>
+          </p:cNvPr>
+          <p:cNvSpPr/>
+          <p:nvPr/>
+        </p:nvSpPr>
+        <p:spPr>
+          <a:xfrm>
+            <a:off x="1419740" y="1483146"/>
+            <a:ext cx="1349406" cy="584775"/>
+          </a:xfrm>
+          <a:prstGeom prst="rect">
+            <a:avLst/>
+          </a:prstGeom>
+        </p:spPr>
+        <p:style>
+          <a:lnRef idx="2">
+            <a:schemeClr val="accent1">
+              <a:shade val="50000"/>
+            </a:schemeClr>
+          </a:lnRef>
+          <a:fillRef idx="1">
+            <a:schemeClr val="accent1"/>
+          </a:fillRef>
+          <a:effectRef idx="0">
+            <a:schemeClr val="accent1"/>
+          </a:effectRef>
+          <a:fontRef idx="minor">
+            <a:schemeClr val="lt1"/>
+          </a:fontRef>
+        </p:style>
+        <p:txBody>
+          <a:bodyPr rtlCol="0" anchor="ctr"/>
+          <a:lstStyle/>
+          <a:p>
+            <a:pPr algn="ctr"/>
             <a:r>
               <a:rPr lang="zh-TW" altLang="en-US" dirty="0"/>
-              <a:t>系統以有限狀態機（</a:t>
-            </a:r>
-            <a:r>
-              <a:rPr lang="en-US" altLang="zh-TW" dirty="0"/>
-              <a:t>FSM</a:t>
-            </a:r>
+              <a:t>左移</a:t>
+            </a:r>
+          </a:p>
+        </p:txBody>
+      </p:sp>
+      <p:sp>
+        <p:nvSpPr>
+          <p:cNvPr id="11" name="矩形 10">
+            <a:extLst>
+              <a:ext uri="{FF2B5EF4-FFF2-40B4-BE49-F238E27FC236}">
+                <a16:creationId xmlns:a16="http://schemas.microsoft.com/office/drawing/2014/main" id="{4F9D2E1A-2F9E-496F-9E6E-E0282705DD9D}"/>
+              </a:ext>
+            </a:extLst>
+          </p:cNvPr>
+          <p:cNvSpPr/>
+          <p:nvPr/>
+        </p:nvSpPr>
+        <p:spPr>
+          <a:xfrm>
+            <a:off x="9030070" y="1350557"/>
+            <a:ext cx="1349406" cy="584775"/>
+          </a:xfrm>
+          <a:prstGeom prst="rect">
+            <a:avLst/>
+          </a:prstGeom>
+        </p:spPr>
+        <p:style>
+          <a:lnRef idx="2">
+            <a:schemeClr val="accent1">
+              <a:shade val="50000"/>
+            </a:schemeClr>
+          </a:lnRef>
+          <a:fillRef idx="1">
+            <a:schemeClr val="accent1"/>
+          </a:fillRef>
+          <a:effectRef idx="0">
+            <a:schemeClr val="accent1"/>
+          </a:effectRef>
+          <a:fontRef idx="minor">
+            <a:schemeClr val="lt1"/>
+          </a:fontRef>
+        </p:style>
+        <p:txBody>
+          <a:bodyPr rtlCol="0" anchor="ctr"/>
+          <a:lstStyle/>
+          <a:p>
+            <a:pPr algn="ctr"/>
             <a:r>
               <a:rPr lang="zh-TW" altLang="en-US" dirty="0"/>
-              <a:t>）實現，處理遊戲的邏輯狀態切換。</a:t>
-            </a:r>
-          </a:p>
-          <a:p>
+              <a:t>右移</a:t>
+            </a:r>
+          </a:p>
+        </p:txBody>
+      </p:sp>
+      <p:cxnSp>
+        <p:nvCxnSpPr>
+          <p:cNvPr id="13" name="直線單箭頭接點 12">
+            <a:extLst>
+              <a:ext uri="{FF2B5EF4-FFF2-40B4-BE49-F238E27FC236}">
+                <a16:creationId xmlns:a16="http://schemas.microsoft.com/office/drawing/2014/main" id="{BE5D0CD1-290B-4785-AF89-1DBBA5F69F45}"/>
+              </a:ext>
+            </a:extLst>
+          </p:cNvPr>
+          <p:cNvCxnSpPr/>
+          <p:nvPr/>
+        </p:nvCxnSpPr>
+        <p:spPr>
+          <a:xfrm>
+            <a:off x="9704773" y="1935332"/>
+            <a:ext cx="0" cy="1925967"/>
+          </a:xfrm>
+          <a:prstGeom prst="straightConnector1">
+            <a:avLst/>
+          </a:prstGeom>
+          <a:ln>
+            <a:tailEnd type="triangle"/>
+          </a:ln>
+        </p:spPr>
+        <p:style>
+          <a:lnRef idx="2">
+            <a:schemeClr val="accent1"/>
+          </a:lnRef>
+          <a:fillRef idx="0">
+            <a:schemeClr val="accent1"/>
+          </a:fillRef>
+          <a:effectRef idx="1">
+            <a:schemeClr val="accent1"/>
+          </a:effectRef>
+          <a:fontRef idx="minor">
+            <a:schemeClr val="tx1"/>
+          </a:fontRef>
+        </p:style>
+      </p:cxnSp>
+      <p:cxnSp>
+        <p:nvCxnSpPr>
+          <p:cNvPr id="15" name="直線單箭頭接點 14">
+            <a:extLst>
+              <a:ext uri="{FF2B5EF4-FFF2-40B4-BE49-F238E27FC236}">
+                <a16:creationId xmlns:a16="http://schemas.microsoft.com/office/drawing/2014/main" id="{824876C0-CD00-43E4-ABE0-755D85629E39}"/>
+              </a:ext>
+            </a:extLst>
+          </p:cNvPr>
+          <p:cNvCxnSpPr>
+            <a:cxnSpLocks/>
+            <a:stCxn id="10" idx="2"/>
+          </p:cNvCxnSpPr>
+          <p:nvPr/>
+        </p:nvCxnSpPr>
+        <p:spPr>
+          <a:xfrm>
+            <a:off x="2094443" y="2067921"/>
+            <a:ext cx="0" cy="1891520"/>
+          </a:xfrm>
+          <a:prstGeom prst="straightConnector1">
+            <a:avLst/>
+          </a:prstGeom>
+          <a:ln>
+            <a:tailEnd type="triangle"/>
+          </a:ln>
+        </p:spPr>
+        <p:style>
+          <a:lnRef idx="2">
+            <a:schemeClr val="accent1"/>
+          </a:lnRef>
+          <a:fillRef idx="0">
+            <a:schemeClr val="accent1"/>
+          </a:fillRef>
+          <a:effectRef idx="1">
+            <a:schemeClr val="accent1"/>
+          </a:effectRef>
+          <a:fontRef idx="minor">
+            <a:schemeClr val="tx1"/>
+          </a:fontRef>
+        </p:style>
+      </p:cxnSp>
+      <p:sp>
+        <p:nvSpPr>
+          <p:cNvPr id="18" name="矩形 17">
+            <a:extLst>
+              <a:ext uri="{FF2B5EF4-FFF2-40B4-BE49-F238E27FC236}">
+                <a16:creationId xmlns:a16="http://schemas.microsoft.com/office/drawing/2014/main" id="{5F53E22D-3719-4DEA-AC4E-EE83128CC60F}"/>
+              </a:ext>
+            </a:extLst>
+          </p:cNvPr>
+          <p:cNvSpPr/>
+          <p:nvPr/>
+        </p:nvSpPr>
+        <p:spPr>
+          <a:xfrm>
+            <a:off x="9030070" y="3861299"/>
+            <a:ext cx="1349406" cy="584775"/>
+          </a:xfrm>
+          <a:prstGeom prst="rect">
+            <a:avLst/>
+          </a:prstGeom>
+        </p:spPr>
+        <p:style>
+          <a:lnRef idx="2">
+            <a:schemeClr val="accent1">
+              <a:shade val="50000"/>
+            </a:schemeClr>
+          </a:lnRef>
+          <a:fillRef idx="1">
+            <a:schemeClr val="accent1"/>
+          </a:fillRef>
+          <a:effectRef idx="0">
+            <a:schemeClr val="accent1"/>
+          </a:effectRef>
+          <a:fontRef idx="minor">
+            <a:schemeClr val="lt1"/>
+          </a:fontRef>
+        </p:style>
+        <p:txBody>
+          <a:bodyPr rtlCol="0" anchor="ctr"/>
+          <a:lstStyle/>
+          <a:p>
+            <a:pPr algn="ctr"/>
             <a:r>
               <a:rPr lang="zh-TW" altLang="en-US" dirty="0"/>
-              <a:t>狀態描述：</a:t>
-            </a:r>
+              <a:t>左邊贏</a:t>
+            </a:r>
+          </a:p>
+        </p:txBody>
+      </p:sp>
+      <p:sp>
+        <p:nvSpPr>
+          <p:cNvPr id="19" name="矩形 18">
+            <a:extLst>
+              <a:ext uri="{FF2B5EF4-FFF2-40B4-BE49-F238E27FC236}">
+                <a16:creationId xmlns:a16="http://schemas.microsoft.com/office/drawing/2014/main" id="{1A58873F-0780-4AE5-BD2B-F2CDEC8F5FFD}"/>
+              </a:ext>
+            </a:extLst>
+          </p:cNvPr>
+          <p:cNvSpPr/>
+          <p:nvPr/>
+        </p:nvSpPr>
+        <p:spPr>
+          <a:xfrm>
+            <a:off x="1419740" y="3959441"/>
+            <a:ext cx="1349406" cy="584775"/>
+          </a:xfrm>
+          <a:prstGeom prst="rect">
+            <a:avLst/>
+          </a:prstGeom>
+        </p:spPr>
+        <p:style>
+          <a:lnRef idx="2">
+            <a:schemeClr val="accent1">
+              <a:shade val="50000"/>
+            </a:schemeClr>
+          </a:lnRef>
+          <a:fillRef idx="1">
+            <a:schemeClr val="accent1"/>
+          </a:fillRef>
+          <a:effectRef idx="0">
+            <a:schemeClr val="accent1"/>
+          </a:effectRef>
+          <a:fontRef idx="minor">
+            <a:schemeClr val="lt1"/>
+          </a:fontRef>
+        </p:style>
+        <p:txBody>
+          <a:bodyPr rtlCol="0" anchor="ctr"/>
+          <a:lstStyle/>
+          <a:p>
+            <a:pPr algn="ctr"/>
+            <a:r>
+              <a:rPr lang="zh-TW" altLang="en-US" dirty="0"/>
+              <a:t>右邊贏</a:t>
+            </a:r>
+          </a:p>
+        </p:txBody>
+      </p:sp>
+      <p:sp>
+        <p:nvSpPr>
+          <p:cNvPr id="20" name="文字方塊 19">
+            <a:extLst>
+              <a:ext uri="{FF2B5EF4-FFF2-40B4-BE49-F238E27FC236}">
+                <a16:creationId xmlns:a16="http://schemas.microsoft.com/office/drawing/2014/main" id="{0A888ADF-CE44-49D3-9C89-E10A98F152A6}"/>
+              </a:ext>
+            </a:extLst>
+          </p:cNvPr>
+          <p:cNvSpPr txBox="1"/>
+          <p:nvPr/>
+        </p:nvSpPr>
+        <p:spPr>
+          <a:xfrm>
+            <a:off x="1642369" y="2894120"/>
+            <a:ext cx="877163" cy="369332"/>
+          </a:xfrm>
+          <a:prstGeom prst="rect">
+            <a:avLst/>
+          </a:prstGeom>
+          <a:noFill/>
+        </p:spPr>
+        <p:txBody>
+          <a:bodyPr wrap="none" rtlCol="0">
+            <a:spAutoFit/>
+          </a:bodyPr>
+          <a:lstStyle/>
+          <a:p>
+            <a:r>
+              <a:rPr lang="zh-TW" altLang="en-US" dirty="0"/>
+              <a:t>沒打到</a:t>
+            </a:r>
+          </a:p>
+        </p:txBody>
+      </p:sp>
+      <p:sp>
+        <p:nvSpPr>
+          <p:cNvPr id="22" name="文字方塊 21">
+            <a:extLst>
+              <a:ext uri="{FF2B5EF4-FFF2-40B4-BE49-F238E27FC236}">
+                <a16:creationId xmlns:a16="http://schemas.microsoft.com/office/drawing/2014/main" id="{B96157F1-C557-40F5-8339-84CC766EFE84}"/>
+              </a:ext>
+            </a:extLst>
+          </p:cNvPr>
+          <p:cNvSpPr txBox="1"/>
+          <p:nvPr/>
+        </p:nvSpPr>
+        <p:spPr>
+          <a:xfrm>
+            <a:off x="9266191" y="2894120"/>
+            <a:ext cx="877163" cy="369332"/>
+          </a:xfrm>
+          <a:prstGeom prst="rect">
+            <a:avLst/>
+          </a:prstGeom>
+          <a:noFill/>
+        </p:spPr>
+        <p:txBody>
+          <a:bodyPr wrap="none" rtlCol="0">
+            <a:spAutoFit/>
+          </a:bodyPr>
+          <a:lstStyle/>
+          <a:p>
+            <a:r>
+              <a:rPr lang="zh-TW" altLang="en-US" dirty="0"/>
+              <a:t>沒打到</a:t>
+            </a:r>
+          </a:p>
+        </p:txBody>
+      </p:sp>
+      <p:sp>
+        <p:nvSpPr>
+          <p:cNvPr id="23" name="矩形 22">
+            <a:extLst>
+              <a:ext uri="{FF2B5EF4-FFF2-40B4-BE49-F238E27FC236}">
+                <a16:creationId xmlns:a16="http://schemas.microsoft.com/office/drawing/2014/main" id="{DA01E34E-AEB2-4AA3-B9BC-227A8FEED17E}"/>
+              </a:ext>
+            </a:extLst>
+          </p:cNvPr>
+          <p:cNvSpPr/>
+          <p:nvPr/>
+        </p:nvSpPr>
+        <p:spPr>
+          <a:xfrm>
+            <a:off x="5051393" y="5530789"/>
+            <a:ext cx="1710431" cy="914400"/>
+          </a:xfrm>
+          <a:prstGeom prst="rect">
+            <a:avLst/>
+          </a:prstGeom>
+        </p:spPr>
+        <p:style>
+          <a:lnRef idx="2">
+            <a:schemeClr val="accent1">
+              <a:shade val="50000"/>
+            </a:schemeClr>
+          </a:lnRef>
+          <a:fillRef idx="1">
+            <a:schemeClr val="accent1"/>
+          </a:fillRef>
+          <a:effectRef idx="0">
+            <a:schemeClr val="accent1"/>
+          </a:effectRef>
+          <a:fontRef idx="minor">
+            <a:schemeClr val="lt1"/>
+          </a:fontRef>
+        </p:style>
+        <p:txBody>
+          <a:bodyPr rtlCol="0" anchor="ctr"/>
+          <a:lstStyle/>
+          <a:p>
+            <a:pPr algn="ctr"/>
             <a:r>
               <a:rPr lang="en-US" altLang="zh-TW" dirty="0"/>
               <a:t>reserve</a:t>
             </a:r>
-            <a:r>
-              <a:rPr lang="zh-TW" altLang="en-US" dirty="0"/>
-              <a:t>：遊戲預備狀態，等待一方開始發球。</a:t>
-            </a:r>
-          </a:p>
-          <a:p>
+            <a:endParaRPr lang="zh-TW" altLang="en-US" dirty="0"/>
+          </a:p>
+        </p:txBody>
+      </p:sp>
+      <p:cxnSp>
+        <p:nvCxnSpPr>
+          <p:cNvPr id="25" name="直線單箭頭接點 24">
+            <a:extLst>
+              <a:ext uri="{FF2B5EF4-FFF2-40B4-BE49-F238E27FC236}">
+                <a16:creationId xmlns:a16="http://schemas.microsoft.com/office/drawing/2014/main" id="{9A9739F2-2EDF-43F6-A42F-62EA1F0490CD}"/>
+              </a:ext>
+            </a:extLst>
+          </p:cNvPr>
+          <p:cNvCxnSpPr>
+            <a:stCxn id="19" idx="2"/>
+            <a:endCxn id="23" idx="1"/>
+          </p:cNvCxnSpPr>
+          <p:nvPr/>
+        </p:nvCxnSpPr>
+        <p:spPr>
+          <a:xfrm>
+            <a:off x="2094443" y="4544216"/>
+            <a:ext cx="2956950" cy="1443773"/>
+          </a:xfrm>
+          <a:prstGeom prst="straightConnector1">
+            <a:avLst/>
+          </a:prstGeom>
+          <a:ln>
+            <a:tailEnd type="triangle"/>
+          </a:ln>
+        </p:spPr>
+        <p:style>
+          <a:lnRef idx="2">
+            <a:schemeClr val="accent1"/>
+          </a:lnRef>
+          <a:fillRef idx="0">
+            <a:schemeClr val="accent1"/>
+          </a:fillRef>
+          <a:effectRef idx="1">
+            <a:schemeClr val="accent1"/>
+          </a:effectRef>
+          <a:fontRef idx="minor">
+            <a:schemeClr val="tx1"/>
+          </a:fontRef>
+        </p:style>
+      </p:cxnSp>
+      <p:cxnSp>
+        <p:nvCxnSpPr>
+          <p:cNvPr id="27" name="直線單箭頭接點 26">
+            <a:extLst>
+              <a:ext uri="{FF2B5EF4-FFF2-40B4-BE49-F238E27FC236}">
+                <a16:creationId xmlns:a16="http://schemas.microsoft.com/office/drawing/2014/main" id="{D760793C-CE09-45C2-B018-7274FC55403D}"/>
+              </a:ext>
+            </a:extLst>
+          </p:cNvPr>
+          <p:cNvCxnSpPr>
+            <a:stCxn id="18" idx="2"/>
+          </p:cNvCxnSpPr>
+          <p:nvPr/>
+        </p:nvCxnSpPr>
+        <p:spPr>
+          <a:xfrm flipH="1">
+            <a:off x="6761824" y="4446074"/>
+            <a:ext cx="2942949" cy="1652885"/>
+          </a:xfrm>
+          <a:prstGeom prst="straightConnector1">
+            <a:avLst/>
+          </a:prstGeom>
+          <a:ln>
+            <a:tailEnd type="triangle"/>
+          </a:ln>
+        </p:spPr>
+        <p:style>
+          <a:lnRef idx="2">
+            <a:schemeClr val="accent1"/>
+          </a:lnRef>
+          <a:fillRef idx="0">
+            <a:schemeClr val="accent1"/>
+          </a:fillRef>
+          <a:effectRef idx="1">
+            <a:schemeClr val="accent1"/>
+          </a:effectRef>
+          <a:fontRef idx="minor">
+            <a:schemeClr val="tx1"/>
+          </a:fontRef>
+        </p:style>
+      </p:cxnSp>
+      <p:sp>
+        <p:nvSpPr>
+          <p:cNvPr id="28" name="矩形 27">
+            <a:extLst>
+              <a:ext uri="{FF2B5EF4-FFF2-40B4-BE49-F238E27FC236}">
+                <a16:creationId xmlns:a16="http://schemas.microsoft.com/office/drawing/2014/main" id="{E6839D3F-98AE-48C4-BDED-F86717174C6B}"/>
+              </a:ext>
+            </a:extLst>
+          </p:cNvPr>
+          <p:cNvSpPr/>
+          <p:nvPr/>
+        </p:nvSpPr>
+        <p:spPr>
+          <a:xfrm>
+            <a:off x="4385569" y="3959441"/>
+            <a:ext cx="1044608" cy="584775"/>
+          </a:xfrm>
+          <a:prstGeom prst="rect">
+            <a:avLst/>
+          </a:prstGeom>
+        </p:spPr>
+        <p:style>
+          <a:lnRef idx="2">
+            <a:schemeClr val="accent1">
+              <a:shade val="50000"/>
+            </a:schemeClr>
+          </a:lnRef>
+          <a:fillRef idx="1">
+            <a:schemeClr val="accent1"/>
+          </a:fillRef>
+          <a:effectRef idx="0">
+            <a:schemeClr val="accent1"/>
+          </a:effectRef>
+          <a:fontRef idx="minor">
+            <a:schemeClr val="lt1"/>
+          </a:fontRef>
+        </p:style>
+        <p:txBody>
+          <a:bodyPr rtlCol="0" anchor="ctr"/>
+          <a:lstStyle/>
+          <a:p>
+            <a:pPr algn="ctr"/>
             <a:r>
               <a:rPr lang="en-US" altLang="zh-TW" dirty="0" err="1"/>
-              <a:t>left_ready_serve</a:t>
-            </a:r>
-            <a:r>
-              <a:rPr lang="en-US" altLang="zh-TW" dirty="0"/>
-              <a:t> </a:t>
-            </a:r>
-            <a:r>
-              <a:rPr lang="zh-TW" altLang="en-US" dirty="0"/>
-              <a:t>和 </a:t>
-            </a:r>
+              <a:t>i_swr</a:t>
+            </a:r>
+            <a:endParaRPr lang="zh-TW" altLang="en-US" dirty="0"/>
+          </a:p>
+        </p:txBody>
+      </p:sp>
+      <p:sp>
+        <p:nvSpPr>
+          <p:cNvPr id="29" name="矩形 28">
+            <a:extLst>
+              <a:ext uri="{FF2B5EF4-FFF2-40B4-BE49-F238E27FC236}">
+                <a16:creationId xmlns:a16="http://schemas.microsoft.com/office/drawing/2014/main" id="{82D7ACBE-9AEB-435B-B2F7-F785689A9E9C}"/>
+              </a:ext>
+            </a:extLst>
+          </p:cNvPr>
+          <p:cNvSpPr/>
+          <p:nvPr/>
+        </p:nvSpPr>
+        <p:spPr>
+          <a:xfrm>
+            <a:off x="6096000" y="3959441"/>
+            <a:ext cx="1233996" cy="584775"/>
+          </a:xfrm>
+          <a:prstGeom prst="rect">
+            <a:avLst/>
+          </a:prstGeom>
+        </p:spPr>
+        <p:style>
+          <a:lnRef idx="2">
+            <a:schemeClr val="accent1">
+              <a:shade val="50000"/>
+            </a:schemeClr>
+          </a:lnRef>
+          <a:fillRef idx="1">
+            <a:schemeClr val="accent1"/>
+          </a:fillRef>
+          <a:effectRef idx="0">
+            <a:schemeClr val="accent1"/>
+          </a:effectRef>
+          <a:fontRef idx="minor">
+            <a:schemeClr val="lt1"/>
+          </a:fontRef>
+        </p:style>
+        <p:txBody>
+          <a:bodyPr rtlCol="0" anchor="ctr"/>
+          <a:lstStyle/>
+          <a:p>
+            <a:pPr algn="ctr"/>
             <a:r>
               <a:rPr lang="en-US" altLang="zh-TW" dirty="0" err="1"/>
-              <a:t>right_ready_serve</a:t>
-            </a:r>
-            <a:r>
-              <a:rPr lang="zh-TW" altLang="en-US" dirty="0"/>
-              <a:t>：左、右玩家準備發球的狀態。</a:t>
-            </a:r>
-          </a:p>
-          <a:p>
-            <a:r>
-              <a:rPr lang="en-US" altLang="zh-TW" dirty="0" err="1"/>
-              <a:t>counter_is_counting_left</a:t>
-            </a:r>
-            <a:r>
-              <a:rPr lang="en-US" altLang="zh-TW" dirty="0"/>
-              <a:t> </a:t>
-            </a:r>
-            <a:r>
-              <a:rPr lang="zh-TW" altLang="en-US" dirty="0"/>
-              <a:t>和 </a:t>
-            </a:r>
-            <a:r>
-              <a:rPr lang="en-US" altLang="zh-TW" dirty="0" err="1"/>
-              <a:t>counter_is_counting_right</a:t>
-            </a:r>
-            <a:r>
-              <a:rPr lang="zh-TW" altLang="en-US" dirty="0"/>
-              <a:t>：球向左或向右移動的狀態。</a:t>
-            </a:r>
-          </a:p>
-          <a:p>
-            <a:r>
-              <a:rPr lang="en-US" altLang="zh-TW" dirty="0" err="1"/>
-              <a:t>left_win</a:t>
-            </a:r>
-            <a:r>
-              <a:rPr lang="en-US" altLang="zh-TW" dirty="0"/>
-              <a:t> </a:t>
-            </a:r>
-            <a:r>
-              <a:rPr lang="zh-TW" altLang="en-US" dirty="0"/>
-              <a:t>和 </a:t>
-            </a:r>
-            <a:r>
-              <a:rPr lang="en-US" altLang="zh-TW" dirty="0" err="1"/>
-              <a:t>right_win</a:t>
-            </a:r>
-            <a:r>
-              <a:rPr lang="zh-TW" altLang="en-US" dirty="0"/>
-              <a:t>：左、右玩家獲勝的狀態。</a:t>
-            </a:r>
-          </a:p>
-          <a:p>
+              <a:t>i_swl</a:t>
+            </a:r>
             <a:endParaRPr lang="zh-TW" altLang="en-US" dirty="0"/>
           </a:p>
         </p:txBody>
       </p:sp>
+      <p:cxnSp>
+        <p:nvCxnSpPr>
+          <p:cNvPr id="31" name="直線單箭頭接點 30">
+            <a:extLst>
+              <a:ext uri="{FF2B5EF4-FFF2-40B4-BE49-F238E27FC236}">
+                <a16:creationId xmlns:a16="http://schemas.microsoft.com/office/drawing/2014/main" id="{CA439EA5-2222-4E41-84C3-3812C9369DB5}"/>
+              </a:ext>
+            </a:extLst>
+          </p:cNvPr>
+          <p:cNvCxnSpPr>
+            <a:stCxn id="29" idx="0"/>
+            <a:endCxn id="11" idx="1"/>
+          </p:cNvCxnSpPr>
+          <p:nvPr/>
+        </p:nvCxnSpPr>
+        <p:spPr>
+          <a:xfrm flipV="1">
+            <a:off x="6712998" y="1642945"/>
+            <a:ext cx="2317072" cy="2316496"/>
+          </a:xfrm>
+          <a:prstGeom prst="straightConnector1">
+            <a:avLst/>
+          </a:prstGeom>
+          <a:ln>
+            <a:tailEnd type="triangle"/>
+          </a:ln>
+        </p:spPr>
+        <p:style>
+          <a:lnRef idx="2">
+            <a:schemeClr val="accent1"/>
+          </a:lnRef>
+          <a:fillRef idx="0">
+            <a:schemeClr val="accent1"/>
+          </a:fillRef>
+          <a:effectRef idx="1">
+            <a:schemeClr val="accent1"/>
+          </a:effectRef>
+          <a:fontRef idx="minor">
+            <a:schemeClr val="tx1"/>
+          </a:fontRef>
+        </p:style>
+      </p:cxnSp>
+      <p:cxnSp>
+        <p:nvCxnSpPr>
+          <p:cNvPr id="33" name="直線單箭頭接點 32">
+            <a:extLst>
+              <a:ext uri="{FF2B5EF4-FFF2-40B4-BE49-F238E27FC236}">
+                <a16:creationId xmlns:a16="http://schemas.microsoft.com/office/drawing/2014/main" id="{FF3F5B69-D5CD-444D-A28D-7ED9F1C2BA0C}"/>
+              </a:ext>
+            </a:extLst>
+          </p:cNvPr>
+          <p:cNvCxnSpPr>
+            <a:stCxn id="28" idx="0"/>
+            <a:endCxn id="10" idx="3"/>
+          </p:cNvCxnSpPr>
+          <p:nvPr/>
+        </p:nvCxnSpPr>
+        <p:spPr>
+          <a:xfrm flipH="1" flipV="1">
+            <a:off x="2769146" y="1775534"/>
+            <a:ext cx="2138727" cy="2183907"/>
+          </a:xfrm>
+          <a:prstGeom prst="straightConnector1">
+            <a:avLst/>
+          </a:prstGeom>
+          <a:ln>
+            <a:tailEnd type="triangle"/>
+          </a:ln>
+        </p:spPr>
+        <p:style>
+          <a:lnRef idx="2">
+            <a:schemeClr val="accent1"/>
+          </a:lnRef>
+          <a:fillRef idx="0">
+            <a:schemeClr val="accent1"/>
+          </a:fillRef>
+          <a:effectRef idx="1">
+            <a:schemeClr val="accent1"/>
+          </a:effectRef>
+          <a:fontRef idx="minor">
+            <a:schemeClr val="tx1"/>
+          </a:fontRef>
+        </p:style>
+      </p:cxnSp>
+      <p:cxnSp>
+        <p:nvCxnSpPr>
+          <p:cNvPr id="35" name="直線單箭頭接點 34">
+            <a:extLst>
+              <a:ext uri="{FF2B5EF4-FFF2-40B4-BE49-F238E27FC236}">
+                <a16:creationId xmlns:a16="http://schemas.microsoft.com/office/drawing/2014/main" id="{0025BE45-8D66-47AE-A5B7-BC76CCE0602E}"/>
+              </a:ext>
+            </a:extLst>
+          </p:cNvPr>
+          <p:cNvCxnSpPr>
+            <a:stCxn id="23" idx="0"/>
+            <a:endCxn id="28" idx="2"/>
+          </p:cNvCxnSpPr>
+          <p:nvPr/>
+        </p:nvCxnSpPr>
+        <p:spPr>
+          <a:xfrm flipH="1" flipV="1">
+            <a:off x="4907873" y="4544216"/>
+            <a:ext cx="998736" cy="986573"/>
+          </a:xfrm>
+          <a:prstGeom prst="straightConnector1">
+            <a:avLst/>
+          </a:prstGeom>
+          <a:ln>
+            <a:tailEnd type="triangle"/>
+          </a:ln>
+        </p:spPr>
+        <p:style>
+          <a:lnRef idx="2">
+            <a:schemeClr val="accent1"/>
+          </a:lnRef>
+          <a:fillRef idx="0">
+            <a:schemeClr val="accent1"/>
+          </a:fillRef>
+          <a:effectRef idx="1">
+            <a:schemeClr val="accent1"/>
+          </a:effectRef>
+          <a:fontRef idx="minor">
+            <a:schemeClr val="tx1"/>
+          </a:fontRef>
+        </p:style>
+      </p:cxnSp>
+      <p:cxnSp>
+        <p:nvCxnSpPr>
+          <p:cNvPr id="37" name="直線單箭頭接點 36">
+            <a:extLst>
+              <a:ext uri="{FF2B5EF4-FFF2-40B4-BE49-F238E27FC236}">
+                <a16:creationId xmlns:a16="http://schemas.microsoft.com/office/drawing/2014/main" id="{E07B2EAD-1F68-407C-B0F6-FDF611344A9D}"/>
+              </a:ext>
+            </a:extLst>
+          </p:cNvPr>
+          <p:cNvCxnSpPr>
+            <a:endCxn id="29" idx="2"/>
+          </p:cNvCxnSpPr>
+          <p:nvPr/>
+        </p:nvCxnSpPr>
+        <p:spPr>
+          <a:xfrm flipV="1">
+            <a:off x="6023499" y="4544216"/>
+            <a:ext cx="689499" cy="986573"/>
+          </a:xfrm>
+          <a:prstGeom prst="straightConnector1">
+            <a:avLst/>
+          </a:prstGeom>
+          <a:ln>
+            <a:tailEnd type="triangle"/>
+          </a:ln>
+        </p:spPr>
+        <p:style>
+          <a:lnRef idx="2">
+            <a:schemeClr val="accent1"/>
+          </a:lnRef>
+          <a:fillRef idx="0">
+            <a:schemeClr val="accent1"/>
+          </a:fillRef>
+          <a:effectRef idx="1">
+            <a:schemeClr val="accent1"/>
+          </a:effectRef>
+          <a:fontRef idx="minor">
+            <a:schemeClr val="tx1"/>
+          </a:fontRef>
+        </p:style>
+      </p:cxnSp>
+      <p:cxnSp>
+        <p:nvCxnSpPr>
+          <p:cNvPr id="39" name="接點: 肘形 38">
+            <a:extLst>
+              <a:ext uri="{FF2B5EF4-FFF2-40B4-BE49-F238E27FC236}">
+                <a16:creationId xmlns:a16="http://schemas.microsoft.com/office/drawing/2014/main" id="{77E6A78A-3450-4DC4-B9A5-221B67D2A82C}"/>
+              </a:ext>
+            </a:extLst>
+          </p:cNvPr>
+          <p:cNvCxnSpPr>
+            <a:stCxn id="10" idx="3"/>
+            <a:endCxn id="9" idx="1"/>
+          </p:cNvCxnSpPr>
+          <p:nvPr/>
+        </p:nvCxnSpPr>
+        <p:spPr>
+          <a:xfrm flipV="1">
+            <a:off x="2769146" y="1483146"/>
+            <a:ext cx="2003201" cy="292388"/>
+          </a:xfrm>
+          <a:prstGeom prst="bentConnector3">
+            <a:avLst/>
+          </a:prstGeom>
+          <a:ln>
+            <a:tailEnd type="triangle"/>
+          </a:ln>
+        </p:spPr>
+        <p:style>
+          <a:lnRef idx="2">
+            <a:schemeClr val="accent1"/>
+          </a:lnRef>
+          <a:fillRef idx="0">
+            <a:schemeClr val="accent1"/>
+          </a:fillRef>
+          <a:effectRef idx="1">
+            <a:schemeClr val="accent1"/>
+          </a:effectRef>
+          <a:fontRef idx="minor">
+            <a:schemeClr val="tx1"/>
+          </a:fontRef>
+        </p:style>
+      </p:cxnSp>
+      <p:cxnSp>
+        <p:nvCxnSpPr>
+          <p:cNvPr id="43" name="直線單箭頭接點 42">
+            <a:extLst>
+              <a:ext uri="{FF2B5EF4-FFF2-40B4-BE49-F238E27FC236}">
+                <a16:creationId xmlns:a16="http://schemas.microsoft.com/office/drawing/2014/main" id="{5C8BCD13-DAF9-4D63-B28D-5BAA00B4F734}"/>
+              </a:ext>
+            </a:extLst>
+          </p:cNvPr>
+          <p:cNvCxnSpPr>
+            <a:endCxn id="11" idx="1"/>
+          </p:cNvCxnSpPr>
+          <p:nvPr/>
+        </p:nvCxnSpPr>
+        <p:spPr>
+          <a:xfrm>
+            <a:off x="6712998" y="1483146"/>
+            <a:ext cx="2317072" cy="159799"/>
+          </a:xfrm>
+          <a:prstGeom prst="straightConnector1">
+            <a:avLst/>
+          </a:prstGeom>
+          <a:ln>
+            <a:headEnd type="triangle"/>
+            <a:tailEnd type="triangle"/>
+          </a:ln>
+        </p:spPr>
+        <p:style>
+          <a:lnRef idx="2">
+            <a:schemeClr val="accent1"/>
+          </a:lnRef>
+          <a:fillRef idx="0">
+            <a:schemeClr val="accent1"/>
+          </a:fillRef>
+          <a:effectRef idx="1">
+            <a:schemeClr val="accent1"/>
+          </a:effectRef>
+          <a:fontRef idx="minor">
+            <a:schemeClr val="tx1"/>
+          </a:fontRef>
+        </p:style>
+      </p:cxnSp>
     </p:spTree>
     <p:extLst>
       <p:ext uri="{BB962C8B-B14F-4D97-AF65-F5344CB8AC3E}">
-        <p14:creationId xmlns:p14="http://schemas.microsoft.com/office/powerpoint/2010/main" val="2655817723"/>
+        <p14:creationId xmlns:p14="http://schemas.microsoft.com/office/powerpoint/2010/main" val="424406079"/>
       </p:ext>
     </p:extLst>
   </p:cSld>
@@ -4436,7 +5178,7 @@
           <p:cNvPr id="5" name="圖片 4">
             <a:extLst>
               <a:ext uri="{FF2B5EF4-FFF2-40B4-BE49-F238E27FC236}">
-                <a16:creationId xmlns:a16="http://schemas.microsoft.com/office/drawing/2014/main" id="{E891606D-8591-43BF-1114-6FF9F8C14D4E}"/>
+                <a16:creationId xmlns:a16="http://schemas.microsoft.com/office/drawing/2014/main" id="{F7FB12FC-DBAE-7CE9-9E63-AA632789FB9E}"/>
               </a:ext>
             </a:extLst>
           </p:cNvPr>
@@ -4453,18 +5195,162 @@
         </p:blipFill>
         <p:spPr>
           <a:xfrm>
-            <a:off x="164831" y="231219"/>
-            <a:ext cx="7983064" cy="5896798"/>
+            <a:off x="144867" y="258928"/>
+            <a:ext cx="7724515" cy="5896798"/>
           </a:xfrm>
           <a:prstGeom prst="rect">
             <a:avLst/>
           </a:prstGeom>
         </p:spPr>
       </p:pic>
+      <p:sp>
+        <p:nvSpPr>
+          <p:cNvPr id="7" name="文字方塊 6">
+            <a:extLst>
+              <a:ext uri="{FF2B5EF4-FFF2-40B4-BE49-F238E27FC236}">
+                <a16:creationId xmlns:a16="http://schemas.microsoft.com/office/drawing/2014/main" id="{5B6D5BF1-B381-34D3-8131-14E2ADBDA7EB}"/>
+              </a:ext>
+            </a:extLst>
+          </p:cNvPr>
+          <p:cNvSpPr txBox="1"/>
+          <p:nvPr/>
+        </p:nvSpPr>
+        <p:spPr>
+          <a:xfrm>
+            <a:off x="7244693" y="557419"/>
+            <a:ext cx="4802440" cy="3416320"/>
+          </a:xfrm>
+          <a:prstGeom prst="rect">
+            <a:avLst/>
+          </a:prstGeom>
+          <a:noFill/>
+        </p:spPr>
+        <p:txBody>
+          <a:bodyPr wrap="square" rtlCol="0">
+            <a:spAutoFit/>
+          </a:bodyPr>
+          <a:lstStyle/>
+          <a:p>
+            <a:r>
+              <a:rPr lang="zh-TW" altLang="en-US" dirty="0"/>
+              <a:t>狀態機 </a:t>
+            </a:r>
+            <a:r>
+              <a:rPr lang="en-US" altLang="zh-TW" dirty="0"/>
+              <a:t>(</a:t>
+            </a:r>
+            <a:r>
+              <a:rPr lang="en-US" altLang="zh-TW" dirty="0" err="1"/>
+              <a:t>ledo_move_state</a:t>
+            </a:r>
+            <a:r>
+              <a:rPr lang="en-US" altLang="zh-TW" dirty="0"/>
+              <a:t>):</a:t>
+            </a:r>
+          </a:p>
+          <a:p>
+            <a:r>
+              <a:rPr lang="zh-TW" altLang="en-US" dirty="0"/>
+              <a:t>系統以有限狀態機（</a:t>
+            </a:r>
+            <a:r>
+              <a:rPr lang="en-US" altLang="zh-TW" dirty="0"/>
+              <a:t>FSM</a:t>
+            </a:r>
+            <a:r>
+              <a:rPr lang="zh-TW" altLang="en-US" dirty="0"/>
+              <a:t>）實現，處理遊戲的邏輯狀態切換。</a:t>
+            </a:r>
+          </a:p>
+          <a:p>
+            <a:r>
+              <a:rPr lang="zh-TW" altLang="en-US" dirty="0"/>
+              <a:t>狀態描述：</a:t>
+            </a:r>
+            <a:r>
+              <a:rPr lang="en-US" altLang="zh-TW" dirty="0"/>
+              <a:t>reserve</a:t>
+            </a:r>
+            <a:r>
+              <a:rPr lang="zh-TW" altLang="en-US" dirty="0"/>
+              <a:t>：遊戲預備狀態，等待一方開始發球。</a:t>
+            </a:r>
+          </a:p>
+          <a:p>
+            <a:r>
+              <a:rPr lang="en-US" altLang="zh-TW" dirty="0" err="1"/>
+              <a:t>left_ready_serve</a:t>
+            </a:r>
+            <a:r>
+              <a:rPr lang="en-US" altLang="zh-TW" dirty="0"/>
+              <a:t> </a:t>
+            </a:r>
+            <a:r>
+              <a:rPr lang="zh-TW" altLang="en-US" dirty="0"/>
+              <a:t>和 </a:t>
+            </a:r>
+            <a:r>
+              <a:rPr lang="en-US" altLang="zh-TW" dirty="0" err="1"/>
+              <a:t>right_ready_serve</a:t>
+            </a:r>
+            <a:r>
+              <a:rPr lang="zh-TW" altLang="en-US" dirty="0"/>
+              <a:t>：左、右玩家準備發球的狀態。</a:t>
+            </a:r>
+          </a:p>
+          <a:p>
+            <a:r>
+              <a:rPr lang="en-US" altLang="zh-TW" dirty="0" err="1"/>
+              <a:t>counter_is_counting_left</a:t>
+            </a:r>
+            <a:r>
+              <a:rPr lang="en-US" altLang="zh-TW" dirty="0"/>
+              <a:t> </a:t>
+            </a:r>
+            <a:r>
+              <a:rPr lang="zh-TW" altLang="en-US" dirty="0"/>
+              <a:t>和 </a:t>
+            </a:r>
+            <a:r>
+              <a:rPr lang="en-US" altLang="zh-TW" dirty="0" err="1"/>
+              <a:t>counter_is_counting_right</a:t>
+            </a:r>
+            <a:r>
+              <a:rPr lang="zh-TW" altLang="en-US" dirty="0"/>
+              <a:t>：球向左或向右移動的狀態。</a:t>
+            </a:r>
+          </a:p>
+          <a:p>
+            <a:r>
+              <a:rPr lang="en-US" altLang="zh-TW" dirty="0" err="1"/>
+              <a:t>left_win</a:t>
+            </a:r>
+            <a:r>
+              <a:rPr lang="en-US" altLang="zh-TW" dirty="0"/>
+              <a:t> </a:t>
+            </a:r>
+            <a:r>
+              <a:rPr lang="zh-TW" altLang="en-US" dirty="0"/>
+              <a:t>和 </a:t>
+            </a:r>
+            <a:r>
+              <a:rPr lang="en-US" altLang="zh-TW" dirty="0" err="1"/>
+              <a:t>right_win</a:t>
+            </a:r>
+            <a:r>
+              <a:rPr lang="zh-TW" altLang="en-US" dirty="0"/>
+              <a:t>：左、右玩家獲勝的狀態。</a:t>
+            </a:r>
+          </a:p>
+          <a:p>
+            <a:endParaRPr lang="zh-TW" altLang="en-US" dirty="0"/>
+          </a:p>
+        </p:txBody>
+      </p:sp>
     </p:spTree>
     <p:extLst>
       <p:ext uri="{BB962C8B-B14F-4D97-AF65-F5344CB8AC3E}">
-        <p14:creationId xmlns:p14="http://schemas.microsoft.com/office/powerpoint/2010/main" val="614758986"/>
+        <p14:creationId xmlns:p14="http://schemas.microsoft.com/office/powerpoint/2010/main" val="2655817723"/>
       </p:ext>
     </p:extLst>
   </p:cSld>
@@ -4496,7 +5382,7 @@
           <p:cNvPr id="5" name="圖片 4">
             <a:extLst>
               <a:ext uri="{FF2B5EF4-FFF2-40B4-BE49-F238E27FC236}">
-                <a16:creationId xmlns:a16="http://schemas.microsoft.com/office/drawing/2014/main" id="{89C75D47-4879-8D03-7672-5AC6EB579CC7}"/>
+                <a16:creationId xmlns:a16="http://schemas.microsoft.com/office/drawing/2014/main" id="{E891606D-8591-43BF-1114-6FF9F8C14D4E}"/>
               </a:ext>
             </a:extLst>
           </p:cNvPr>
@@ -4513,75 +5399,18 @@
         </p:blipFill>
         <p:spPr>
           <a:xfrm>
-            <a:off x="835288" y="1146902"/>
-            <a:ext cx="6592220" cy="4220164"/>
+            <a:off x="164831" y="231219"/>
+            <a:ext cx="7983064" cy="5896798"/>
           </a:xfrm>
           <a:prstGeom prst="rect">
             <a:avLst/>
           </a:prstGeom>
         </p:spPr>
       </p:pic>
-      <p:sp>
-        <p:nvSpPr>
-          <p:cNvPr id="6" name="文字方塊 5">
-            <a:extLst>
-              <a:ext uri="{FF2B5EF4-FFF2-40B4-BE49-F238E27FC236}">
-                <a16:creationId xmlns:a16="http://schemas.microsoft.com/office/drawing/2014/main" id="{ED686722-D40B-7D2F-6F69-ECFD3F34C3DC}"/>
-              </a:ext>
-            </a:extLst>
-          </p:cNvPr>
-          <p:cNvSpPr txBox="1"/>
-          <p:nvPr/>
-        </p:nvSpPr>
-        <p:spPr>
-          <a:xfrm>
-            <a:off x="8515870" y="1146902"/>
-            <a:ext cx="2954655" cy="923330"/>
-          </a:xfrm>
-          <a:prstGeom prst="rect">
-            <a:avLst/>
-          </a:prstGeom>
-          <a:noFill/>
-        </p:spPr>
-        <p:txBody>
-          <a:bodyPr wrap="none" rtlCol="0">
-            <a:spAutoFit/>
-          </a:bodyPr>
-          <a:lstStyle/>
-          <a:p>
-            <a:r>
-              <a:rPr lang="zh-TW" altLang="en-US" dirty="0"/>
-              <a:t>根據不同情況讓</a:t>
-            </a:r>
-            <a:r>
-              <a:rPr lang="en-US" altLang="zh-TW" dirty="0"/>
-              <a:t>count</a:t>
-            </a:r>
-            <a:r>
-              <a:rPr lang="zh-TW" altLang="en-US" dirty="0"/>
-              <a:t>產生</a:t>
-            </a:r>
-            <a:endParaRPr lang="en-US" altLang="zh-TW" dirty="0"/>
-          </a:p>
-          <a:p>
-            <a:r>
-              <a:rPr lang="zh-TW" altLang="en-US" dirty="0"/>
-              <a:t>不同值，因為左邊發球應該</a:t>
-            </a:r>
-            <a:endParaRPr lang="en-US" altLang="zh-TW" dirty="0"/>
-          </a:p>
-          <a:p>
-            <a:r>
-              <a:rPr lang="zh-TW" altLang="en-US" dirty="0"/>
-              <a:t>從最左邊發球</a:t>
-            </a:r>
-          </a:p>
-        </p:txBody>
-      </p:sp>
     </p:spTree>
     <p:extLst>
       <p:ext uri="{BB962C8B-B14F-4D97-AF65-F5344CB8AC3E}">
-        <p14:creationId xmlns:p14="http://schemas.microsoft.com/office/powerpoint/2010/main" val="3045905057"/>
+        <p14:creationId xmlns:p14="http://schemas.microsoft.com/office/powerpoint/2010/main" val="614758986"/>
       </p:ext>
     </p:extLst>
   </p:cSld>
@@ -4613,6 +5442,123 @@
           <p:cNvPr id="5" name="圖片 4">
             <a:extLst>
               <a:ext uri="{FF2B5EF4-FFF2-40B4-BE49-F238E27FC236}">
+                <a16:creationId xmlns:a16="http://schemas.microsoft.com/office/drawing/2014/main" id="{89C75D47-4879-8D03-7672-5AC6EB579CC7}"/>
+              </a:ext>
+            </a:extLst>
+          </p:cNvPr>
+          <p:cNvPicPr>
+            <a:picLocks noChangeAspect="1"/>
+          </p:cNvPicPr>
+          <p:nvPr/>
+        </p:nvPicPr>
+        <p:blipFill>
+          <a:blip r:embed="rId2"/>
+          <a:stretch>
+            <a:fillRect/>
+          </a:stretch>
+        </p:blipFill>
+        <p:spPr>
+          <a:xfrm>
+            <a:off x="835288" y="1146902"/>
+            <a:ext cx="6592220" cy="4220164"/>
+          </a:xfrm>
+          <a:prstGeom prst="rect">
+            <a:avLst/>
+          </a:prstGeom>
+        </p:spPr>
+      </p:pic>
+      <p:sp>
+        <p:nvSpPr>
+          <p:cNvPr id="6" name="文字方塊 5">
+            <a:extLst>
+              <a:ext uri="{FF2B5EF4-FFF2-40B4-BE49-F238E27FC236}">
+                <a16:creationId xmlns:a16="http://schemas.microsoft.com/office/drawing/2014/main" id="{ED686722-D40B-7D2F-6F69-ECFD3F34C3DC}"/>
+              </a:ext>
+            </a:extLst>
+          </p:cNvPr>
+          <p:cNvSpPr txBox="1"/>
+          <p:nvPr/>
+        </p:nvSpPr>
+        <p:spPr>
+          <a:xfrm>
+            <a:off x="8515870" y="1146902"/>
+            <a:ext cx="2954655" cy="923330"/>
+          </a:xfrm>
+          <a:prstGeom prst="rect">
+            <a:avLst/>
+          </a:prstGeom>
+          <a:noFill/>
+        </p:spPr>
+        <p:txBody>
+          <a:bodyPr wrap="none" rtlCol="0">
+            <a:spAutoFit/>
+          </a:bodyPr>
+          <a:lstStyle/>
+          <a:p>
+            <a:r>
+              <a:rPr lang="zh-TW" altLang="en-US" dirty="0"/>
+              <a:t>根據不同情況讓</a:t>
+            </a:r>
+            <a:r>
+              <a:rPr lang="en-US" altLang="zh-TW" dirty="0"/>
+              <a:t>count</a:t>
+            </a:r>
+            <a:r>
+              <a:rPr lang="zh-TW" altLang="en-US" dirty="0"/>
+              <a:t>產生</a:t>
+            </a:r>
+            <a:endParaRPr lang="en-US" altLang="zh-TW" dirty="0"/>
+          </a:p>
+          <a:p>
+            <a:r>
+              <a:rPr lang="zh-TW" altLang="en-US" dirty="0"/>
+              <a:t>不同值，因為左邊發球應該</a:t>
+            </a:r>
+            <a:endParaRPr lang="en-US" altLang="zh-TW" dirty="0"/>
+          </a:p>
+          <a:p>
+            <a:r>
+              <a:rPr lang="zh-TW" altLang="en-US" dirty="0"/>
+              <a:t>從最左邊發球</a:t>
+            </a:r>
+          </a:p>
+        </p:txBody>
+      </p:sp>
+    </p:spTree>
+    <p:extLst>
+      <p:ext uri="{BB962C8B-B14F-4D97-AF65-F5344CB8AC3E}">
+        <p14:creationId xmlns:p14="http://schemas.microsoft.com/office/powerpoint/2010/main" val="3045905057"/>
+      </p:ext>
+    </p:extLst>
+  </p:cSld>
+  <p:clrMapOvr>
+    <a:masterClrMapping/>
+  </p:clrMapOvr>
+</p:sld>
+</file>
+
+<file path=ppt/slides/slide7.xml><?xml version="1.0" encoding="utf-8"?>
+<p:sld xmlns:a="http://schemas.openxmlformats.org/drawingml/2006/main" xmlns:r="http://schemas.openxmlformats.org/officeDocument/2006/relationships" xmlns:p="http://schemas.openxmlformats.org/presentationml/2006/main">
+  <p:cSld>
+    <p:spTree>
+      <p:nvGrpSpPr>
+        <p:cNvPr id="1" name=""/>
+        <p:cNvGrpSpPr/>
+        <p:nvPr/>
+      </p:nvGrpSpPr>
+      <p:grpSpPr>
+        <a:xfrm>
+          <a:off x="0" y="0"/>
+          <a:ext cx="0" cy="0"/>
+          <a:chOff x="0" y="0"/>
+          <a:chExt cx="0" cy="0"/>
+        </a:xfrm>
+      </p:grpSpPr>
+      <p:pic>
+        <p:nvPicPr>
+          <p:cNvPr id="5" name="圖片 4">
+            <a:extLst>
+              <a:ext uri="{FF2B5EF4-FFF2-40B4-BE49-F238E27FC236}">
                 <a16:creationId xmlns:a16="http://schemas.microsoft.com/office/drawing/2014/main" id="{581BA3BD-9904-4347-77F4-CBC9433D2D47}"/>
               </a:ext>
             </a:extLst>
@@ -4720,7 +5666,7 @@
 </p:sld>
 </file>
 
-<file path=ppt/slides/slide7.xml><?xml version="1.0" encoding="utf-8"?>
+<file path=ppt/slides/slide8.xml><?xml version="1.0" encoding="utf-8"?>
 <p:sld xmlns:a="http://schemas.openxmlformats.org/drawingml/2006/main" xmlns:r="http://schemas.openxmlformats.org/officeDocument/2006/relationships" xmlns:p="http://schemas.openxmlformats.org/presentationml/2006/main">
   <p:cSld>
     <p:spTree>
